--- a/ppt 16-9/0777.求主动工.pptx
+++ b/ppt 16-9/0777.求主动工.pptx
@@ -5,7 +5,7 @@
     <p:sldMasterId id="2147483648" r:id="rId1"/>
   </p:sldMasterIdLst>
   <p:sldIdLst>
-    <p:sldId id="2038" r:id="rId2"/>
+    <p:sldId id="2039" r:id="rId2"/>
   </p:sldIdLst>
   <p:sldSz cx="12192000" cy="6858000"/>
   <p:notesSz cx="6858000" cy="9144000"/>
@@ -129,7 +129,7 @@
           <p:cNvPr id="2" name="标题 1">
             <a:extLst>
               <a:ext uri="{FF2B5EF4-FFF2-40B4-BE49-F238E27FC236}">
-                <a16:creationId xmlns:a16="http://schemas.microsoft.com/office/drawing/2014/main" id="{14FE1E70-E461-0031-E43C-B875670F5F9B}"/>
+                <a16:creationId xmlns:a16="http://schemas.microsoft.com/office/drawing/2014/main" id="{C9F37606-0CB2-1540-09AA-3FBC811709E0}"/>
               </a:ext>
             </a:extLst>
           </p:cNvPr>
@@ -166,7 +166,7 @@
           <p:cNvPr id="3" name="副标题 2">
             <a:extLst>
               <a:ext uri="{FF2B5EF4-FFF2-40B4-BE49-F238E27FC236}">
-                <a16:creationId xmlns:a16="http://schemas.microsoft.com/office/drawing/2014/main" id="{CC9ED68F-64A9-5B4B-0C86-8E25C961F9F2}"/>
+                <a16:creationId xmlns:a16="http://schemas.microsoft.com/office/drawing/2014/main" id="{A8AB9232-9FF5-E48E-658C-6AA3B62C86A2}"/>
               </a:ext>
             </a:extLst>
           </p:cNvPr>
@@ -236,7 +236,7 @@
           <p:cNvPr id="4" name="日期占位符 3">
             <a:extLst>
               <a:ext uri="{FF2B5EF4-FFF2-40B4-BE49-F238E27FC236}">
-                <a16:creationId xmlns:a16="http://schemas.microsoft.com/office/drawing/2014/main" id="{008DFDAB-7DEA-4368-140A-F500E9C51289}"/>
+                <a16:creationId xmlns:a16="http://schemas.microsoft.com/office/drawing/2014/main" id="{20AA1B52-3130-C824-A224-7A06C567B59A}"/>
               </a:ext>
             </a:extLst>
           </p:cNvPr>
@@ -252,7 +252,7 @@
           <a:bodyPr/>
           <a:lstStyle/>
           <a:p>
-            <a:fld id="{CB423498-F353-439C-9EBB-80076D51EEE1}" type="datetimeFigureOut">
+            <a:fld id="{A6EDD32A-19E3-4365-8F40-7019D0397459}" type="datetimeFigureOut">
               <a:rPr lang="zh-CN" altLang="en-US" smtClean="0"/>
               <a:t>2024/3/10</a:t>
             </a:fld>
@@ -265,7 +265,7 @@
           <p:cNvPr id="5" name="页脚占位符 4">
             <a:extLst>
               <a:ext uri="{FF2B5EF4-FFF2-40B4-BE49-F238E27FC236}">
-                <a16:creationId xmlns:a16="http://schemas.microsoft.com/office/drawing/2014/main" id="{1F4B3A17-F3D1-CF3C-F028-E99E04E5C5A8}"/>
+                <a16:creationId xmlns:a16="http://schemas.microsoft.com/office/drawing/2014/main" id="{E7D762DF-01A8-0E0C-A1AF-0AABDD7059B2}"/>
               </a:ext>
             </a:extLst>
           </p:cNvPr>
@@ -290,7 +290,7 @@
           <p:cNvPr id="6" name="灯片编号占位符 5">
             <a:extLst>
               <a:ext uri="{FF2B5EF4-FFF2-40B4-BE49-F238E27FC236}">
-                <a16:creationId xmlns:a16="http://schemas.microsoft.com/office/drawing/2014/main" id="{4A61DDFD-8673-4632-2AE9-C5B0C374D619}"/>
+                <a16:creationId xmlns:a16="http://schemas.microsoft.com/office/drawing/2014/main" id="{284A03D1-4BA1-82DB-A519-128E9E956ACA}"/>
               </a:ext>
             </a:extLst>
           </p:cNvPr>
@@ -306,7 +306,7 @@
           <a:bodyPr/>
           <a:lstStyle/>
           <a:p>
-            <a:fld id="{4F09BDAB-ED07-4199-9C68-EE6BFD619AF3}" type="slidenum">
+            <a:fld id="{993C7B58-D00E-4918-8C40-957AE37B0CAD}" type="slidenum">
               <a:rPr lang="zh-CN" altLang="en-US" smtClean="0"/>
               <a:t>‹#›</a:t>
             </a:fld>
@@ -317,7 +317,7 @@
     </p:spTree>
     <p:extLst>
       <p:ext uri="{BB962C8B-B14F-4D97-AF65-F5344CB8AC3E}">
-        <p14:creationId xmlns:p14="http://schemas.microsoft.com/office/powerpoint/2010/main" val="3633347577"/>
+        <p14:creationId xmlns:p14="http://schemas.microsoft.com/office/powerpoint/2010/main" val="1389306585"/>
       </p:ext>
     </p:extLst>
   </p:cSld>
@@ -349,7 +349,7 @@
           <p:cNvPr id="2" name="标题 1">
             <a:extLst>
               <a:ext uri="{FF2B5EF4-FFF2-40B4-BE49-F238E27FC236}">
-                <a16:creationId xmlns:a16="http://schemas.microsoft.com/office/drawing/2014/main" id="{24BA5181-8DF1-9DF2-2FB7-E60C48156FFC}"/>
+                <a16:creationId xmlns:a16="http://schemas.microsoft.com/office/drawing/2014/main" id="{882DA4B7-9771-79DC-50A8-67E999D7250A}"/>
               </a:ext>
             </a:extLst>
           </p:cNvPr>
@@ -377,7 +377,7 @@
           <p:cNvPr id="3" name="竖排文字占位符 2">
             <a:extLst>
               <a:ext uri="{FF2B5EF4-FFF2-40B4-BE49-F238E27FC236}">
-                <a16:creationId xmlns:a16="http://schemas.microsoft.com/office/drawing/2014/main" id="{0780AE80-09E1-708A-F084-031A59D87D00}"/>
+                <a16:creationId xmlns:a16="http://schemas.microsoft.com/office/drawing/2014/main" id="{0185EB36-AF38-30EB-2693-0BCD5BCEF62E}"/>
               </a:ext>
             </a:extLst>
           </p:cNvPr>
@@ -434,7 +434,7 @@
           <p:cNvPr id="4" name="日期占位符 3">
             <a:extLst>
               <a:ext uri="{FF2B5EF4-FFF2-40B4-BE49-F238E27FC236}">
-                <a16:creationId xmlns:a16="http://schemas.microsoft.com/office/drawing/2014/main" id="{AEA42A9C-5275-D570-4E6A-9B622E0F4AF7}"/>
+                <a16:creationId xmlns:a16="http://schemas.microsoft.com/office/drawing/2014/main" id="{2DCC83C8-B6DD-3E6B-22D1-27F21EBF47D9}"/>
               </a:ext>
             </a:extLst>
           </p:cNvPr>
@@ -450,7 +450,7 @@
           <a:bodyPr/>
           <a:lstStyle/>
           <a:p>
-            <a:fld id="{CB423498-F353-439C-9EBB-80076D51EEE1}" type="datetimeFigureOut">
+            <a:fld id="{A6EDD32A-19E3-4365-8F40-7019D0397459}" type="datetimeFigureOut">
               <a:rPr lang="zh-CN" altLang="en-US" smtClean="0"/>
               <a:t>2024/3/10</a:t>
             </a:fld>
@@ -463,7 +463,7 @@
           <p:cNvPr id="5" name="页脚占位符 4">
             <a:extLst>
               <a:ext uri="{FF2B5EF4-FFF2-40B4-BE49-F238E27FC236}">
-                <a16:creationId xmlns:a16="http://schemas.microsoft.com/office/drawing/2014/main" id="{685DCDD4-E65F-C4ED-940C-9EB9B79994D6}"/>
+                <a16:creationId xmlns:a16="http://schemas.microsoft.com/office/drawing/2014/main" id="{25BB7D1A-8E75-284E-205F-0C38C05A67E7}"/>
               </a:ext>
             </a:extLst>
           </p:cNvPr>
@@ -488,7 +488,7 @@
           <p:cNvPr id="6" name="灯片编号占位符 5">
             <a:extLst>
               <a:ext uri="{FF2B5EF4-FFF2-40B4-BE49-F238E27FC236}">
-                <a16:creationId xmlns:a16="http://schemas.microsoft.com/office/drawing/2014/main" id="{14B126E6-C4F8-5A04-0A1D-DF9E5680C44E}"/>
+                <a16:creationId xmlns:a16="http://schemas.microsoft.com/office/drawing/2014/main" id="{4A5E721E-5BFB-59D0-D89B-28FB677D673B}"/>
               </a:ext>
             </a:extLst>
           </p:cNvPr>
@@ -504,7 +504,7 @@
           <a:bodyPr/>
           <a:lstStyle/>
           <a:p>
-            <a:fld id="{4F09BDAB-ED07-4199-9C68-EE6BFD619AF3}" type="slidenum">
+            <a:fld id="{993C7B58-D00E-4918-8C40-957AE37B0CAD}" type="slidenum">
               <a:rPr lang="zh-CN" altLang="en-US" smtClean="0"/>
               <a:t>‹#›</a:t>
             </a:fld>
@@ -515,7 +515,7 @@
     </p:spTree>
     <p:extLst>
       <p:ext uri="{BB962C8B-B14F-4D97-AF65-F5344CB8AC3E}">
-        <p14:creationId xmlns:p14="http://schemas.microsoft.com/office/powerpoint/2010/main" val="3884501892"/>
+        <p14:creationId xmlns:p14="http://schemas.microsoft.com/office/powerpoint/2010/main" val="4220502398"/>
       </p:ext>
     </p:extLst>
   </p:cSld>
@@ -547,7 +547,7 @@
           <p:cNvPr id="2" name="竖排标题 1">
             <a:extLst>
               <a:ext uri="{FF2B5EF4-FFF2-40B4-BE49-F238E27FC236}">
-                <a16:creationId xmlns:a16="http://schemas.microsoft.com/office/drawing/2014/main" id="{FB8F413C-7391-4E05-40DA-68578DFDF2C6}"/>
+                <a16:creationId xmlns:a16="http://schemas.microsoft.com/office/drawing/2014/main" id="{ABAAE82C-1A0E-82E4-B44B-AF972011C69D}"/>
               </a:ext>
             </a:extLst>
           </p:cNvPr>
@@ -580,7 +580,7 @@
           <p:cNvPr id="3" name="竖排文字占位符 2">
             <a:extLst>
               <a:ext uri="{FF2B5EF4-FFF2-40B4-BE49-F238E27FC236}">
-                <a16:creationId xmlns:a16="http://schemas.microsoft.com/office/drawing/2014/main" id="{57896ABD-B8F7-5805-0ABE-EF1DB1370714}"/>
+                <a16:creationId xmlns:a16="http://schemas.microsoft.com/office/drawing/2014/main" id="{B41A0BAF-FDA7-D587-EB8F-449580C92F77}"/>
               </a:ext>
             </a:extLst>
           </p:cNvPr>
@@ -642,7 +642,7 @@
           <p:cNvPr id="4" name="日期占位符 3">
             <a:extLst>
               <a:ext uri="{FF2B5EF4-FFF2-40B4-BE49-F238E27FC236}">
-                <a16:creationId xmlns:a16="http://schemas.microsoft.com/office/drawing/2014/main" id="{4320CB2A-0E90-8A67-E109-EF21058C559E}"/>
+                <a16:creationId xmlns:a16="http://schemas.microsoft.com/office/drawing/2014/main" id="{C6692485-132B-424A-FFB2-0098263F9F61}"/>
               </a:ext>
             </a:extLst>
           </p:cNvPr>
@@ -658,7 +658,7 @@
           <a:bodyPr/>
           <a:lstStyle/>
           <a:p>
-            <a:fld id="{CB423498-F353-439C-9EBB-80076D51EEE1}" type="datetimeFigureOut">
+            <a:fld id="{A6EDD32A-19E3-4365-8F40-7019D0397459}" type="datetimeFigureOut">
               <a:rPr lang="zh-CN" altLang="en-US" smtClean="0"/>
               <a:t>2024/3/10</a:t>
             </a:fld>
@@ -671,7 +671,7 @@
           <p:cNvPr id="5" name="页脚占位符 4">
             <a:extLst>
               <a:ext uri="{FF2B5EF4-FFF2-40B4-BE49-F238E27FC236}">
-                <a16:creationId xmlns:a16="http://schemas.microsoft.com/office/drawing/2014/main" id="{3E8C36BC-9AE2-4CA9-D577-2C2EFFD94A8F}"/>
+                <a16:creationId xmlns:a16="http://schemas.microsoft.com/office/drawing/2014/main" id="{269994A9-8823-DD73-3ED7-D9E5C8D4D262}"/>
               </a:ext>
             </a:extLst>
           </p:cNvPr>
@@ -696,7 +696,7 @@
           <p:cNvPr id="6" name="灯片编号占位符 5">
             <a:extLst>
               <a:ext uri="{FF2B5EF4-FFF2-40B4-BE49-F238E27FC236}">
-                <a16:creationId xmlns:a16="http://schemas.microsoft.com/office/drawing/2014/main" id="{29986F87-49BB-575C-A5BD-6D22ED5CA8EC}"/>
+                <a16:creationId xmlns:a16="http://schemas.microsoft.com/office/drawing/2014/main" id="{8F39A730-937C-1539-F1BD-379D0F004887}"/>
               </a:ext>
             </a:extLst>
           </p:cNvPr>
@@ -712,7 +712,7 @@
           <a:bodyPr/>
           <a:lstStyle/>
           <a:p>
-            <a:fld id="{4F09BDAB-ED07-4199-9C68-EE6BFD619AF3}" type="slidenum">
+            <a:fld id="{993C7B58-D00E-4918-8C40-957AE37B0CAD}" type="slidenum">
               <a:rPr lang="zh-CN" altLang="en-US" smtClean="0"/>
               <a:t>‹#›</a:t>
             </a:fld>
@@ -723,7 +723,7 @@
     </p:spTree>
     <p:extLst>
       <p:ext uri="{BB962C8B-B14F-4D97-AF65-F5344CB8AC3E}">
-        <p14:creationId xmlns:p14="http://schemas.microsoft.com/office/powerpoint/2010/main" val="2954078174"/>
+        <p14:creationId xmlns:p14="http://schemas.microsoft.com/office/powerpoint/2010/main" val="2859920422"/>
       </p:ext>
     </p:extLst>
   </p:cSld>
@@ -755,7 +755,7 @@
           <p:cNvPr id="2" name="标题 1">
             <a:extLst>
               <a:ext uri="{FF2B5EF4-FFF2-40B4-BE49-F238E27FC236}">
-                <a16:creationId xmlns:a16="http://schemas.microsoft.com/office/drawing/2014/main" id="{6B16096F-32BA-37FB-957B-85B175FF7063}"/>
+                <a16:creationId xmlns:a16="http://schemas.microsoft.com/office/drawing/2014/main" id="{9ADA15A7-F632-3DAE-21AD-1E7FB039DDEE}"/>
               </a:ext>
             </a:extLst>
           </p:cNvPr>
@@ -783,7 +783,7 @@
           <p:cNvPr id="3" name="内容占位符 2">
             <a:extLst>
               <a:ext uri="{FF2B5EF4-FFF2-40B4-BE49-F238E27FC236}">
-                <a16:creationId xmlns:a16="http://schemas.microsoft.com/office/drawing/2014/main" id="{03358335-E81A-B2F1-C272-1042A89F6573}"/>
+                <a16:creationId xmlns:a16="http://schemas.microsoft.com/office/drawing/2014/main" id="{E5AF64F5-6B39-E71A-4CCE-A6AA928AB41E}"/>
               </a:ext>
             </a:extLst>
           </p:cNvPr>
@@ -840,7 +840,7 @@
           <p:cNvPr id="4" name="日期占位符 3">
             <a:extLst>
               <a:ext uri="{FF2B5EF4-FFF2-40B4-BE49-F238E27FC236}">
-                <a16:creationId xmlns:a16="http://schemas.microsoft.com/office/drawing/2014/main" id="{F21B1D50-8AED-822B-556F-CADC5A9C0A02}"/>
+                <a16:creationId xmlns:a16="http://schemas.microsoft.com/office/drawing/2014/main" id="{4FBD331E-32AA-D933-795F-B7C15D58D13A}"/>
               </a:ext>
             </a:extLst>
           </p:cNvPr>
@@ -856,7 +856,7 @@
           <a:bodyPr/>
           <a:lstStyle/>
           <a:p>
-            <a:fld id="{CB423498-F353-439C-9EBB-80076D51EEE1}" type="datetimeFigureOut">
+            <a:fld id="{A6EDD32A-19E3-4365-8F40-7019D0397459}" type="datetimeFigureOut">
               <a:rPr lang="zh-CN" altLang="en-US" smtClean="0"/>
               <a:t>2024/3/10</a:t>
             </a:fld>
@@ -869,7 +869,7 @@
           <p:cNvPr id="5" name="页脚占位符 4">
             <a:extLst>
               <a:ext uri="{FF2B5EF4-FFF2-40B4-BE49-F238E27FC236}">
-                <a16:creationId xmlns:a16="http://schemas.microsoft.com/office/drawing/2014/main" id="{5522700B-3B9B-A24C-9099-FB946495C066}"/>
+                <a16:creationId xmlns:a16="http://schemas.microsoft.com/office/drawing/2014/main" id="{56686418-F9FC-09B5-2124-C64895F20C3A}"/>
               </a:ext>
             </a:extLst>
           </p:cNvPr>
@@ -894,7 +894,7 @@
           <p:cNvPr id="6" name="灯片编号占位符 5">
             <a:extLst>
               <a:ext uri="{FF2B5EF4-FFF2-40B4-BE49-F238E27FC236}">
-                <a16:creationId xmlns:a16="http://schemas.microsoft.com/office/drawing/2014/main" id="{D3AD6185-3F6D-6458-570F-513CE44245AD}"/>
+                <a16:creationId xmlns:a16="http://schemas.microsoft.com/office/drawing/2014/main" id="{E2FDB5BD-59BE-AC4F-CC6D-C2372E8CB53A}"/>
               </a:ext>
             </a:extLst>
           </p:cNvPr>
@@ -910,7 +910,7 @@
           <a:bodyPr/>
           <a:lstStyle/>
           <a:p>
-            <a:fld id="{4F09BDAB-ED07-4199-9C68-EE6BFD619AF3}" type="slidenum">
+            <a:fld id="{993C7B58-D00E-4918-8C40-957AE37B0CAD}" type="slidenum">
               <a:rPr lang="zh-CN" altLang="en-US" smtClean="0"/>
               <a:t>‹#›</a:t>
             </a:fld>
@@ -921,7 +921,7 @@
     </p:spTree>
     <p:extLst>
       <p:ext uri="{BB962C8B-B14F-4D97-AF65-F5344CB8AC3E}">
-        <p14:creationId xmlns:p14="http://schemas.microsoft.com/office/powerpoint/2010/main" val="2019510691"/>
+        <p14:creationId xmlns:p14="http://schemas.microsoft.com/office/powerpoint/2010/main" val="2297065647"/>
       </p:ext>
     </p:extLst>
   </p:cSld>
@@ -953,7 +953,7 @@
           <p:cNvPr id="2" name="标题 1">
             <a:extLst>
               <a:ext uri="{FF2B5EF4-FFF2-40B4-BE49-F238E27FC236}">
-                <a16:creationId xmlns:a16="http://schemas.microsoft.com/office/drawing/2014/main" id="{608FD513-DA79-2F54-C9C5-CA56EE00064F}"/>
+                <a16:creationId xmlns:a16="http://schemas.microsoft.com/office/drawing/2014/main" id="{115B26C8-A08D-141A-5615-1DDC3C88E387}"/>
               </a:ext>
             </a:extLst>
           </p:cNvPr>
@@ -990,7 +990,7 @@
           <p:cNvPr id="3" name="文本占位符 2">
             <a:extLst>
               <a:ext uri="{FF2B5EF4-FFF2-40B4-BE49-F238E27FC236}">
-                <a16:creationId xmlns:a16="http://schemas.microsoft.com/office/drawing/2014/main" id="{AFE029C8-DF46-45BA-8F34-993449E6FD1D}"/>
+                <a16:creationId xmlns:a16="http://schemas.microsoft.com/office/drawing/2014/main" id="{090D899C-6D2D-71E0-5E68-A0F800575C9F}"/>
               </a:ext>
             </a:extLst>
           </p:cNvPr>
@@ -1115,7 +1115,7 @@
           <p:cNvPr id="4" name="日期占位符 3">
             <a:extLst>
               <a:ext uri="{FF2B5EF4-FFF2-40B4-BE49-F238E27FC236}">
-                <a16:creationId xmlns:a16="http://schemas.microsoft.com/office/drawing/2014/main" id="{CAEABC70-A5E8-C5D1-ADC3-D53810B74647}"/>
+                <a16:creationId xmlns:a16="http://schemas.microsoft.com/office/drawing/2014/main" id="{405AEA8A-954A-CB45-DC1D-2AD0233E79D7}"/>
               </a:ext>
             </a:extLst>
           </p:cNvPr>
@@ -1131,7 +1131,7 @@
           <a:bodyPr/>
           <a:lstStyle/>
           <a:p>
-            <a:fld id="{CB423498-F353-439C-9EBB-80076D51EEE1}" type="datetimeFigureOut">
+            <a:fld id="{A6EDD32A-19E3-4365-8F40-7019D0397459}" type="datetimeFigureOut">
               <a:rPr lang="zh-CN" altLang="en-US" smtClean="0"/>
               <a:t>2024/3/10</a:t>
             </a:fld>
@@ -1144,7 +1144,7 @@
           <p:cNvPr id="5" name="页脚占位符 4">
             <a:extLst>
               <a:ext uri="{FF2B5EF4-FFF2-40B4-BE49-F238E27FC236}">
-                <a16:creationId xmlns:a16="http://schemas.microsoft.com/office/drawing/2014/main" id="{76950424-5F06-25B6-6D37-A0DEC26F08DA}"/>
+                <a16:creationId xmlns:a16="http://schemas.microsoft.com/office/drawing/2014/main" id="{CAB684C7-860B-D644-EB95-67C7643D116E}"/>
               </a:ext>
             </a:extLst>
           </p:cNvPr>
@@ -1169,7 +1169,7 @@
           <p:cNvPr id="6" name="灯片编号占位符 5">
             <a:extLst>
               <a:ext uri="{FF2B5EF4-FFF2-40B4-BE49-F238E27FC236}">
-                <a16:creationId xmlns:a16="http://schemas.microsoft.com/office/drawing/2014/main" id="{C513EC1E-0EF0-FA37-0CA2-C29E1B2C5CFB}"/>
+                <a16:creationId xmlns:a16="http://schemas.microsoft.com/office/drawing/2014/main" id="{4FF672E4-3538-3021-731F-D4AA68390C1E}"/>
               </a:ext>
             </a:extLst>
           </p:cNvPr>
@@ -1185,7 +1185,7 @@
           <a:bodyPr/>
           <a:lstStyle/>
           <a:p>
-            <a:fld id="{4F09BDAB-ED07-4199-9C68-EE6BFD619AF3}" type="slidenum">
+            <a:fld id="{993C7B58-D00E-4918-8C40-957AE37B0CAD}" type="slidenum">
               <a:rPr lang="zh-CN" altLang="en-US" smtClean="0"/>
               <a:t>‹#›</a:t>
             </a:fld>
@@ -1196,7 +1196,7 @@
     </p:spTree>
     <p:extLst>
       <p:ext uri="{BB962C8B-B14F-4D97-AF65-F5344CB8AC3E}">
-        <p14:creationId xmlns:p14="http://schemas.microsoft.com/office/powerpoint/2010/main" val="1324391546"/>
+        <p14:creationId xmlns:p14="http://schemas.microsoft.com/office/powerpoint/2010/main" val="1854544783"/>
       </p:ext>
     </p:extLst>
   </p:cSld>
@@ -1228,7 +1228,7 @@
           <p:cNvPr id="2" name="标题 1">
             <a:extLst>
               <a:ext uri="{FF2B5EF4-FFF2-40B4-BE49-F238E27FC236}">
-                <a16:creationId xmlns:a16="http://schemas.microsoft.com/office/drawing/2014/main" id="{5F495EF4-A545-993A-FE5E-E54B36691EA4}"/>
+                <a16:creationId xmlns:a16="http://schemas.microsoft.com/office/drawing/2014/main" id="{0C948BFD-FEDA-3242-358A-504742298FB4}"/>
               </a:ext>
             </a:extLst>
           </p:cNvPr>
@@ -1256,7 +1256,7 @@
           <p:cNvPr id="3" name="内容占位符 2">
             <a:extLst>
               <a:ext uri="{FF2B5EF4-FFF2-40B4-BE49-F238E27FC236}">
-                <a16:creationId xmlns:a16="http://schemas.microsoft.com/office/drawing/2014/main" id="{FE98E07A-8FD8-DCED-1447-781828FF1978}"/>
+                <a16:creationId xmlns:a16="http://schemas.microsoft.com/office/drawing/2014/main" id="{5D72D8D5-8B08-1AC7-3B09-1CE5E5483347}"/>
               </a:ext>
             </a:extLst>
           </p:cNvPr>
@@ -1318,7 +1318,7 @@
           <p:cNvPr id="4" name="内容占位符 3">
             <a:extLst>
               <a:ext uri="{FF2B5EF4-FFF2-40B4-BE49-F238E27FC236}">
-                <a16:creationId xmlns:a16="http://schemas.microsoft.com/office/drawing/2014/main" id="{D1F66E69-D682-D9CC-8F23-A8D05DD2EE37}"/>
+                <a16:creationId xmlns:a16="http://schemas.microsoft.com/office/drawing/2014/main" id="{0CBD3073-09B0-CA46-6CB8-FE1C3DF6F22B}"/>
               </a:ext>
             </a:extLst>
           </p:cNvPr>
@@ -1380,7 +1380,7 @@
           <p:cNvPr id="5" name="日期占位符 4">
             <a:extLst>
               <a:ext uri="{FF2B5EF4-FFF2-40B4-BE49-F238E27FC236}">
-                <a16:creationId xmlns:a16="http://schemas.microsoft.com/office/drawing/2014/main" id="{7CCBC09D-6668-AFB2-17F6-CBF5CCE7AFDB}"/>
+                <a16:creationId xmlns:a16="http://schemas.microsoft.com/office/drawing/2014/main" id="{CD1BB625-11ED-6912-6873-D289ACEFAAF2}"/>
               </a:ext>
             </a:extLst>
           </p:cNvPr>
@@ -1396,7 +1396,7 @@
           <a:bodyPr/>
           <a:lstStyle/>
           <a:p>
-            <a:fld id="{CB423498-F353-439C-9EBB-80076D51EEE1}" type="datetimeFigureOut">
+            <a:fld id="{A6EDD32A-19E3-4365-8F40-7019D0397459}" type="datetimeFigureOut">
               <a:rPr lang="zh-CN" altLang="en-US" smtClean="0"/>
               <a:t>2024/3/10</a:t>
             </a:fld>
@@ -1409,7 +1409,7 @@
           <p:cNvPr id="6" name="页脚占位符 5">
             <a:extLst>
               <a:ext uri="{FF2B5EF4-FFF2-40B4-BE49-F238E27FC236}">
-                <a16:creationId xmlns:a16="http://schemas.microsoft.com/office/drawing/2014/main" id="{4CE93076-6154-2055-D181-650018CE6DBC}"/>
+                <a16:creationId xmlns:a16="http://schemas.microsoft.com/office/drawing/2014/main" id="{B0759DD3-3B72-4EEB-DB5E-324656315ABE}"/>
               </a:ext>
             </a:extLst>
           </p:cNvPr>
@@ -1434,7 +1434,7 @@
           <p:cNvPr id="7" name="灯片编号占位符 6">
             <a:extLst>
               <a:ext uri="{FF2B5EF4-FFF2-40B4-BE49-F238E27FC236}">
-                <a16:creationId xmlns:a16="http://schemas.microsoft.com/office/drawing/2014/main" id="{140F4D39-2282-8668-BEE1-3B6E12779C04}"/>
+                <a16:creationId xmlns:a16="http://schemas.microsoft.com/office/drawing/2014/main" id="{0C96A453-3924-999E-0FCB-EDD3EA25A1EC}"/>
               </a:ext>
             </a:extLst>
           </p:cNvPr>
@@ -1450,7 +1450,7 @@
           <a:bodyPr/>
           <a:lstStyle/>
           <a:p>
-            <a:fld id="{4F09BDAB-ED07-4199-9C68-EE6BFD619AF3}" type="slidenum">
+            <a:fld id="{993C7B58-D00E-4918-8C40-957AE37B0CAD}" type="slidenum">
               <a:rPr lang="zh-CN" altLang="en-US" smtClean="0"/>
               <a:t>‹#›</a:t>
             </a:fld>
@@ -1461,7 +1461,7 @@
     </p:spTree>
     <p:extLst>
       <p:ext uri="{BB962C8B-B14F-4D97-AF65-F5344CB8AC3E}">
-        <p14:creationId xmlns:p14="http://schemas.microsoft.com/office/powerpoint/2010/main" val="4243285972"/>
+        <p14:creationId xmlns:p14="http://schemas.microsoft.com/office/powerpoint/2010/main" val="2836213450"/>
       </p:ext>
     </p:extLst>
   </p:cSld>
@@ -1493,7 +1493,7 @@
           <p:cNvPr id="2" name="标题 1">
             <a:extLst>
               <a:ext uri="{FF2B5EF4-FFF2-40B4-BE49-F238E27FC236}">
-                <a16:creationId xmlns:a16="http://schemas.microsoft.com/office/drawing/2014/main" id="{BE842A85-681F-7DAC-181F-B9696C5B7F4B}"/>
+                <a16:creationId xmlns:a16="http://schemas.microsoft.com/office/drawing/2014/main" id="{8ECFE6E3-0C41-315B-D63E-25801AFC3D76}"/>
               </a:ext>
             </a:extLst>
           </p:cNvPr>
@@ -1526,7 +1526,7 @@
           <p:cNvPr id="3" name="文本占位符 2">
             <a:extLst>
               <a:ext uri="{FF2B5EF4-FFF2-40B4-BE49-F238E27FC236}">
-                <a16:creationId xmlns:a16="http://schemas.microsoft.com/office/drawing/2014/main" id="{3C2DD067-6C53-288C-A2B9-7068862C9645}"/>
+                <a16:creationId xmlns:a16="http://schemas.microsoft.com/office/drawing/2014/main" id="{731F6954-12D1-2266-0B0D-90C1B2CFBD8B}"/>
               </a:ext>
             </a:extLst>
           </p:cNvPr>
@@ -1597,7 +1597,7 @@
           <p:cNvPr id="4" name="内容占位符 3">
             <a:extLst>
               <a:ext uri="{FF2B5EF4-FFF2-40B4-BE49-F238E27FC236}">
-                <a16:creationId xmlns:a16="http://schemas.microsoft.com/office/drawing/2014/main" id="{C9C0326C-08B4-12D2-4E2C-10C50A0C4AFB}"/>
+                <a16:creationId xmlns:a16="http://schemas.microsoft.com/office/drawing/2014/main" id="{43ACD2C8-B2BB-7369-E6B8-5A2EF71C682E}"/>
               </a:ext>
             </a:extLst>
           </p:cNvPr>
@@ -1659,7 +1659,7 @@
           <p:cNvPr id="5" name="文本占位符 4">
             <a:extLst>
               <a:ext uri="{FF2B5EF4-FFF2-40B4-BE49-F238E27FC236}">
-                <a16:creationId xmlns:a16="http://schemas.microsoft.com/office/drawing/2014/main" id="{53DCC456-D90E-397F-63EE-8C53A090DCD1}"/>
+                <a16:creationId xmlns:a16="http://schemas.microsoft.com/office/drawing/2014/main" id="{EE50143B-2003-077A-814B-592658255383}"/>
               </a:ext>
             </a:extLst>
           </p:cNvPr>
@@ -1730,7 +1730,7 @@
           <p:cNvPr id="6" name="内容占位符 5">
             <a:extLst>
               <a:ext uri="{FF2B5EF4-FFF2-40B4-BE49-F238E27FC236}">
-                <a16:creationId xmlns:a16="http://schemas.microsoft.com/office/drawing/2014/main" id="{AB91693A-BD04-7245-36A1-617931791AC8}"/>
+                <a16:creationId xmlns:a16="http://schemas.microsoft.com/office/drawing/2014/main" id="{26429B88-8463-A707-0C0C-36BCA12856B0}"/>
               </a:ext>
             </a:extLst>
           </p:cNvPr>
@@ -1792,7 +1792,7 @@
           <p:cNvPr id="7" name="日期占位符 6">
             <a:extLst>
               <a:ext uri="{FF2B5EF4-FFF2-40B4-BE49-F238E27FC236}">
-                <a16:creationId xmlns:a16="http://schemas.microsoft.com/office/drawing/2014/main" id="{4511207A-37D3-BDE4-77C4-835903D191FA}"/>
+                <a16:creationId xmlns:a16="http://schemas.microsoft.com/office/drawing/2014/main" id="{E5046C56-733D-F71B-C7A8-683DF866A9EA}"/>
               </a:ext>
             </a:extLst>
           </p:cNvPr>
@@ -1808,7 +1808,7 @@
           <a:bodyPr/>
           <a:lstStyle/>
           <a:p>
-            <a:fld id="{CB423498-F353-439C-9EBB-80076D51EEE1}" type="datetimeFigureOut">
+            <a:fld id="{A6EDD32A-19E3-4365-8F40-7019D0397459}" type="datetimeFigureOut">
               <a:rPr lang="zh-CN" altLang="en-US" smtClean="0"/>
               <a:t>2024/3/10</a:t>
             </a:fld>
@@ -1821,7 +1821,7 @@
           <p:cNvPr id="8" name="页脚占位符 7">
             <a:extLst>
               <a:ext uri="{FF2B5EF4-FFF2-40B4-BE49-F238E27FC236}">
-                <a16:creationId xmlns:a16="http://schemas.microsoft.com/office/drawing/2014/main" id="{F9A3C9EB-C5A4-A4A4-C620-6D0CC34FE8FF}"/>
+                <a16:creationId xmlns:a16="http://schemas.microsoft.com/office/drawing/2014/main" id="{1AD7A449-527A-15CC-0D51-775575122DA1}"/>
               </a:ext>
             </a:extLst>
           </p:cNvPr>
@@ -1846,7 +1846,7 @@
           <p:cNvPr id="9" name="灯片编号占位符 8">
             <a:extLst>
               <a:ext uri="{FF2B5EF4-FFF2-40B4-BE49-F238E27FC236}">
-                <a16:creationId xmlns:a16="http://schemas.microsoft.com/office/drawing/2014/main" id="{5136BBD9-BE90-7360-232F-74D5E8CAD6A9}"/>
+                <a16:creationId xmlns:a16="http://schemas.microsoft.com/office/drawing/2014/main" id="{D443280A-B5E2-F773-EE0B-E1C5E3E541AC}"/>
               </a:ext>
             </a:extLst>
           </p:cNvPr>
@@ -1862,7 +1862,7 @@
           <a:bodyPr/>
           <a:lstStyle/>
           <a:p>
-            <a:fld id="{4F09BDAB-ED07-4199-9C68-EE6BFD619AF3}" type="slidenum">
+            <a:fld id="{993C7B58-D00E-4918-8C40-957AE37B0CAD}" type="slidenum">
               <a:rPr lang="zh-CN" altLang="en-US" smtClean="0"/>
               <a:t>‹#›</a:t>
             </a:fld>
@@ -1873,7 +1873,7 @@
     </p:spTree>
     <p:extLst>
       <p:ext uri="{BB962C8B-B14F-4D97-AF65-F5344CB8AC3E}">
-        <p14:creationId xmlns:p14="http://schemas.microsoft.com/office/powerpoint/2010/main" val="4059826095"/>
+        <p14:creationId xmlns:p14="http://schemas.microsoft.com/office/powerpoint/2010/main" val="1567165206"/>
       </p:ext>
     </p:extLst>
   </p:cSld>
@@ -1905,7 +1905,7 @@
           <p:cNvPr id="2" name="标题 1">
             <a:extLst>
               <a:ext uri="{FF2B5EF4-FFF2-40B4-BE49-F238E27FC236}">
-                <a16:creationId xmlns:a16="http://schemas.microsoft.com/office/drawing/2014/main" id="{08B12833-1AB5-A406-789D-C00B05B9CAAA}"/>
+                <a16:creationId xmlns:a16="http://schemas.microsoft.com/office/drawing/2014/main" id="{03136772-A118-0DD2-047F-62330D5C835B}"/>
               </a:ext>
             </a:extLst>
           </p:cNvPr>
@@ -1933,7 +1933,7 @@
           <p:cNvPr id="3" name="日期占位符 2">
             <a:extLst>
               <a:ext uri="{FF2B5EF4-FFF2-40B4-BE49-F238E27FC236}">
-                <a16:creationId xmlns:a16="http://schemas.microsoft.com/office/drawing/2014/main" id="{A26155FF-BCDB-F17B-7D93-BB25B8511884}"/>
+                <a16:creationId xmlns:a16="http://schemas.microsoft.com/office/drawing/2014/main" id="{0D9ADB1D-8B28-B39F-23A3-82F1BAF042C9}"/>
               </a:ext>
             </a:extLst>
           </p:cNvPr>
@@ -1949,7 +1949,7 @@
           <a:bodyPr/>
           <a:lstStyle/>
           <a:p>
-            <a:fld id="{CB423498-F353-439C-9EBB-80076D51EEE1}" type="datetimeFigureOut">
+            <a:fld id="{A6EDD32A-19E3-4365-8F40-7019D0397459}" type="datetimeFigureOut">
               <a:rPr lang="zh-CN" altLang="en-US" smtClean="0"/>
               <a:t>2024/3/10</a:t>
             </a:fld>
@@ -1962,7 +1962,7 @@
           <p:cNvPr id="4" name="页脚占位符 3">
             <a:extLst>
               <a:ext uri="{FF2B5EF4-FFF2-40B4-BE49-F238E27FC236}">
-                <a16:creationId xmlns:a16="http://schemas.microsoft.com/office/drawing/2014/main" id="{4C6AAF25-A13E-B8D2-5CE3-31930456F81C}"/>
+                <a16:creationId xmlns:a16="http://schemas.microsoft.com/office/drawing/2014/main" id="{6CA7CB5F-4BE5-002B-7FAD-40BBA6CC4971}"/>
               </a:ext>
             </a:extLst>
           </p:cNvPr>
@@ -1987,7 +1987,7 @@
           <p:cNvPr id="5" name="灯片编号占位符 4">
             <a:extLst>
               <a:ext uri="{FF2B5EF4-FFF2-40B4-BE49-F238E27FC236}">
-                <a16:creationId xmlns:a16="http://schemas.microsoft.com/office/drawing/2014/main" id="{7A94C8A6-9987-69D3-8041-1C240612A16C}"/>
+                <a16:creationId xmlns:a16="http://schemas.microsoft.com/office/drawing/2014/main" id="{D135C12F-AB03-420A-7020-B72121C366A2}"/>
               </a:ext>
             </a:extLst>
           </p:cNvPr>
@@ -2003,7 +2003,7 @@
           <a:bodyPr/>
           <a:lstStyle/>
           <a:p>
-            <a:fld id="{4F09BDAB-ED07-4199-9C68-EE6BFD619AF3}" type="slidenum">
+            <a:fld id="{993C7B58-D00E-4918-8C40-957AE37B0CAD}" type="slidenum">
               <a:rPr lang="zh-CN" altLang="en-US" smtClean="0"/>
               <a:t>‹#›</a:t>
             </a:fld>
@@ -2014,7 +2014,7 @@
     </p:spTree>
     <p:extLst>
       <p:ext uri="{BB962C8B-B14F-4D97-AF65-F5344CB8AC3E}">
-        <p14:creationId xmlns:p14="http://schemas.microsoft.com/office/powerpoint/2010/main" val="3001336747"/>
+        <p14:creationId xmlns:p14="http://schemas.microsoft.com/office/powerpoint/2010/main" val="4005501582"/>
       </p:ext>
     </p:extLst>
   </p:cSld>
@@ -2046,7 +2046,7 @@
           <p:cNvPr id="2" name="日期占位符 1">
             <a:extLst>
               <a:ext uri="{FF2B5EF4-FFF2-40B4-BE49-F238E27FC236}">
-                <a16:creationId xmlns:a16="http://schemas.microsoft.com/office/drawing/2014/main" id="{15A68202-778D-D2E7-0E00-62ECEEC65EA0}"/>
+                <a16:creationId xmlns:a16="http://schemas.microsoft.com/office/drawing/2014/main" id="{6E4FFB0D-9AA1-BFC3-F7F8-7455D98728D2}"/>
               </a:ext>
             </a:extLst>
           </p:cNvPr>
@@ -2062,7 +2062,7 @@
           <a:bodyPr/>
           <a:lstStyle/>
           <a:p>
-            <a:fld id="{CB423498-F353-439C-9EBB-80076D51EEE1}" type="datetimeFigureOut">
+            <a:fld id="{A6EDD32A-19E3-4365-8F40-7019D0397459}" type="datetimeFigureOut">
               <a:rPr lang="zh-CN" altLang="en-US" smtClean="0"/>
               <a:t>2024/3/10</a:t>
             </a:fld>
@@ -2075,7 +2075,7 @@
           <p:cNvPr id="3" name="页脚占位符 2">
             <a:extLst>
               <a:ext uri="{FF2B5EF4-FFF2-40B4-BE49-F238E27FC236}">
-                <a16:creationId xmlns:a16="http://schemas.microsoft.com/office/drawing/2014/main" id="{5EF68C24-0B37-D5D9-56F4-32F11641C4C4}"/>
+                <a16:creationId xmlns:a16="http://schemas.microsoft.com/office/drawing/2014/main" id="{B1D0476A-1E6C-49C2-9BBC-C0A1A055EAC5}"/>
               </a:ext>
             </a:extLst>
           </p:cNvPr>
@@ -2100,7 +2100,7 @@
           <p:cNvPr id="4" name="灯片编号占位符 3">
             <a:extLst>
               <a:ext uri="{FF2B5EF4-FFF2-40B4-BE49-F238E27FC236}">
-                <a16:creationId xmlns:a16="http://schemas.microsoft.com/office/drawing/2014/main" id="{66A9FDB9-23A8-33DA-B672-B751C311DC62}"/>
+                <a16:creationId xmlns:a16="http://schemas.microsoft.com/office/drawing/2014/main" id="{2D6D49E7-BD7E-1BA7-8C38-0CFFA0769E42}"/>
               </a:ext>
             </a:extLst>
           </p:cNvPr>
@@ -2116,7 +2116,7 @@
           <a:bodyPr/>
           <a:lstStyle/>
           <a:p>
-            <a:fld id="{4F09BDAB-ED07-4199-9C68-EE6BFD619AF3}" type="slidenum">
+            <a:fld id="{993C7B58-D00E-4918-8C40-957AE37B0CAD}" type="slidenum">
               <a:rPr lang="zh-CN" altLang="en-US" smtClean="0"/>
               <a:t>‹#›</a:t>
             </a:fld>
@@ -2127,7 +2127,7 @@
     </p:spTree>
     <p:extLst>
       <p:ext uri="{BB962C8B-B14F-4D97-AF65-F5344CB8AC3E}">
-        <p14:creationId xmlns:p14="http://schemas.microsoft.com/office/powerpoint/2010/main" val="443718012"/>
+        <p14:creationId xmlns:p14="http://schemas.microsoft.com/office/powerpoint/2010/main" val="2579693695"/>
       </p:ext>
     </p:extLst>
   </p:cSld>
@@ -2159,7 +2159,7 @@
           <p:cNvPr id="2" name="标题 1">
             <a:extLst>
               <a:ext uri="{FF2B5EF4-FFF2-40B4-BE49-F238E27FC236}">
-                <a16:creationId xmlns:a16="http://schemas.microsoft.com/office/drawing/2014/main" id="{8100AAF1-CA88-C368-0055-5FBDA1C605C4}"/>
+                <a16:creationId xmlns:a16="http://schemas.microsoft.com/office/drawing/2014/main" id="{51E263DB-C7C0-3B5F-5AB3-E94AC396BF28}"/>
               </a:ext>
             </a:extLst>
           </p:cNvPr>
@@ -2196,7 +2196,7 @@
           <p:cNvPr id="3" name="内容占位符 2">
             <a:extLst>
               <a:ext uri="{FF2B5EF4-FFF2-40B4-BE49-F238E27FC236}">
-                <a16:creationId xmlns:a16="http://schemas.microsoft.com/office/drawing/2014/main" id="{21808846-1B1F-3CF9-2079-0298E80E5499}"/>
+                <a16:creationId xmlns:a16="http://schemas.microsoft.com/office/drawing/2014/main" id="{2B1212C3-E5FA-F94B-2FD8-1B97C17EF6E6}"/>
               </a:ext>
             </a:extLst>
           </p:cNvPr>
@@ -2286,7 +2286,7 @@
           <p:cNvPr id="4" name="文本占位符 3">
             <a:extLst>
               <a:ext uri="{FF2B5EF4-FFF2-40B4-BE49-F238E27FC236}">
-                <a16:creationId xmlns:a16="http://schemas.microsoft.com/office/drawing/2014/main" id="{D859068C-2393-A390-D93F-AC761546E02A}"/>
+                <a16:creationId xmlns:a16="http://schemas.microsoft.com/office/drawing/2014/main" id="{E6FE69A1-076F-A283-5808-88E9F95175B5}"/>
               </a:ext>
             </a:extLst>
           </p:cNvPr>
@@ -2357,7 +2357,7 @@
           <p:cNvPr id="5" name="日期占位符 4">
             <a:extLst>
               <a:ext uri="{FF2B5EF4-FFF2-40B4-BE49-F238E27FC236}">
-                <a16:creationId xmlns:a16="http://schemas.microsoft.com/office/drawing/2014/main" id="{D20C1688-F9D8-0A3A-EE07-BA20E5628DB5}"/>
+                <a16:creationId xmlns:a16="http://schemas.microsoft.com/office/drawing/2014/main" id="{31C351F8-9FA2-B6AA-7A7D-FBC73187A985}"/>
               </a:ext>
             </a:extLst>
           </p:cNvPr>
@@ -2373,7 +2373,7 @@
           <a:bodyPr/>
           <a:lstStyle/>
           <a:p>
-            <a:fld id="{CB423498-F353-439C-9EBB-80076D51EEE1}" type="datetimeFigureOut">
+            <a:fld id="{A6EDD32A-19E3-4365-8F40-7019D0397459}" type="datetimeFigureOut">
               <a:rPr lang="zh-CN" altLang="en-US" smtClean="0"/>
               <a:t>2024/3/10</a:t>
             </a:fld>
@@ -2386,7 +2386,7 @@
           <p:cNvPr id="6" name="页脚占位符 5">
             <a:extLst>
               <a:ext uri="{FF2B5EF4-FFF2-40B4-BE49-F238E27FC236}">
-                <a16:creationId xmlns:a16="http://schemas.microsoft.com/office/drawing/2014/main" id="{B403C91A-A520-A62C-D93F-E1FE645F724A}"/>
+                <a16:creationId xmlns:a16="http://schemas.microsoft.com/office/drawing/2014/main" id="{B870F492-1465-8D22-6D86-A434EB96E57A}"/>
               </a:ext>
             </a:extLst>
           </p:cNvPr>
@@ -2411,7 +2411,7 @@
           <p:cNvPr id="7" name="灯片编号占位符 6">
             <a:extLst>
               <a:ext uri="{FF2B5EF4-FFF2-40B4-BE49-F238E27FC236}">
-                <a16:creationId xmlns:a16="http://schemas.microsoft.com/office/drawing/2014/main" id="{AD169932-A79F-CFC7-696E-2489F86937A6}"/>
+                <a16:creationId xmlns:a16="http://schemas.microsoft.com/office/drawing/2014/main" id="{9B87E30A-668D-0C3E-D934-4A4E9672F631}"/>
               </a:ext>
             </a:extLst>
           </p:cNvPr>
@@ -2427,7 +2427,7 @@
           <a:bodyPr/>
           <a:lstStyle/>
           <a:p>
-            <a:fld id="{4F09BDAB-ED07-4199-9C68-EE6BFD619AF3}" type="slidenum">
+            <a:fld id="{993C7B58-D00E-4918-8C40-957AE37B0CAD}" type="slidenum">
               <a:rPr lang="zh-CN" altLang="en-US" smtClean="0"/>
               <a:t>‹#›</a:t>
             </a:fld>
@@ -2438,7 +2438,7 @@
     </p:spTree>
     <p:extLst>
       <p:ext uri="{BB962C8B-B14F-4D97-AF65-F5344CB8AC3E}">
-        <p14:creationId xmlns:p14="http://schemas.microsoft.com/office/powerpoint/2010/main" val="3223335858"/>
+        <p14:creationId xmlns:p14="http://schemas.microsoft.com/office/powerpoint/2010/main" val="2844520487"/>
       </p:ext>
     </p:extLst>
   </p:cSld>
@@ -2470,7 +2470,7 @@
           <p:cNvPr id="2" name="标题 1">
             <a:extLst>
               <a:ext uri="{FF2B5EF4-FFF2-40B4-BE49-F238E27FC236}">
-                <a16:creationId xmlns:a16="http://schemas.microsoft.com/office/drawing/2014/main" id="{87DD5008-B89F-A885-9B62-9324414DB427}"/>
+                <a16:creationId xmlns:a16="http://schemas.microsoft.com/office/drawing/2014/main" id="{28EBB748-E530-41EA-3901-CA217E708CA8}"/>
               </a:ext>
             </a:extLst>
           </p:cNvPr>
@@ -2507,7 +2507,7 @@
           <p:cNvPr id="3" name="图片占位符 2">
             <a:extLst>
               <a:ext uri="{FF2B5EF4-FFF2-40B4-BE49-F238E27FC236}">
-                <a16:creationId xmlns:a16="http://schemas.microsoft.com/office/drawing/2014/main" id="{80DECEAD-995F-770E-518F-A71C30BE767B}"/>
+                <a16:creationId xmlns:a16="http://schemas.microsoft.com/office/drawing/2014/main" id="{ACA9DC0F-C7F0-BFC1-B60B-0234BFF1E7BD}"/>
               </a:ext>
             </a:extLst>
           </p:cNvPr>
@@ -2574,7 +2574,7 @@
           <p:cNvPr id="4" name="文本占位符 3">
             <a:extLst>
               <a:ext uri="{FF2B5EF4-FFF2-40B4-BE49-F238E27FC236}">
-                <a16:creationId xmlns:a16="http://schemas.microsoft.com/office/drawing/2014/main" id="{AA8355D8-8247-C31F-C714-5121EC6A3617}"/>
+                <a16:creationId xmlns:a16="http://schemas.microsoft.com/office/drawing/2014/main" id="{B72DA124-302C-34B8-1239-37EB33CB5359}"/>
               </a:ext>
             </a:extLst>
           </p:cNvPr>
@@ -2645,7 +2645,7 @@
           <p:cNvPr id="5" name="日期占位符 4">
             <a:extLst>
               <a:ext uri="{FF2B5EF4-FFF2-40B4-BE49-F238E27FC236}">
-                <a16:creationId xmlns:a16="http://schemas.microsoft.com/office/drawing/2014/main" id="{614BC889-2B6B-A80D-81E4-37F5D62AC5FE}"/>
+                <a16:creationId xmlns:a16="http://schemas.microsoft.com/office/drawing/2014/main" id="{48813D19-EE48-F2B1-74CB-2699BEC8DC5B}"/>
               </a:ext>
             </a:extLst>
           </p:cNvPr>
@@ -2661,7 +2661,7 @@
           <a:bodyPr/>
           <a:lstStyle/>
           <a:p>
-            <a:fld id="{CB423498-F353-439C-9EBB-80076D51EEE1}" type="datetimeFigureOut">
+            <a:fld id="{A6EDD32A-19E3-4365-8F40-7019D0397459}" type="datetimeFigureOut">
               <a:rPr lang="zh-CN" altLang="en-US" smtClean="0"/>
               <a:t>2024/3/10</a:t>
             </a:fld>
@@ -2674,7 +2674,7 @@
           <p:cNvPr id="6" name="页脚占位符 5">
             <a:extLst>
               <a:ext uri="{FF2B5EF4-FFF2-40B4-BE49-F238E27FC236}">
-                <a16:creationId xmlns:a16="http://schemas.microsoft.com/office/drawing/2014/main" id="{223D5EB4-8951-4CBE-3558-A386DB1856AC}"/>
+                <a16:creationId xmlns:a16="http://schemas.microsoft.com/office/drawing/2014/main" id="{FA4B101C-B7C2-C5C7-2D0B-B0685A06CBE5}"/>
               </a:ext>
             </a:extLst>
           </p:cNvPr>
@@ -2699,7 +2699,7 @@
           <p:cNvPr id="7" name="灯片编号占位符 6">
             <a:extLst>
               <a:ext uri="{FF2B5EF4-FFF2-40B4-BE49-F238E27FC236}">
-                <a16:creationId xmlns:a16="http://schemas.microsoft.com/office/drawing/2014/main" id="{0C561B38-79D7-11AD-D1DB-1A59AF6D0F55}"/>
+                <a16:creationId xmlns:a16="http://schemas.microsoft.com/office/drawing/2014/main" id="{1FAA7AA8-FA6E-7EF0-B385-3DF4DC8A4BD1}"/>
               </a:ext>
             </a:extLst>
           </p:cNvPr>
@@ -2715,7 +2715,7 @@
           <a:bodyPr/>
           <a:lstStyle/>
           <a:p>
-            <a:fld id="{4F09BDAB-ED07-4199-9C68-EE6BFD619AF3}" type="slidenum">
+            <a:fld id="{993C7B58-D00E-4918-8C40-957AE37B0CAD}" type="slidenum">
               <a:rPr lang="zh-CN" altLang="en-US" smtClean="0"/>
               <a:t>‹#›</a:t>
             </a:fld>
@@ -2726,7 +2726,7 @@
     </p:spTree>
     <p:extLst>
       <p:ext uri="{BB962C8B-B14F-4D97-AF65-F5344CB8AC3E}">
-        <p14:creationId xmlns:p14="http://schemas.microsoft.com/office/powerpoint/2010/main" val="3547824453"/>
+        <p14:creationId xmlns:p14="http://schemas.microsoft.com/office/powerpoint/2010/main" val="3287887916"/>
       </p:ext>
     </p:extLst>
   </p:cSld>
@@ -2763,7 +2763,7 @@
           <p:cNvPr id="2" name="标题占位符 1">
             <a:extLst>
               <a:ext uri="{FF2B5EF4-FFF2-40B4-BE49-F238E27FC236}">
-                <a16:creationId xmlns:a16="http://schemas.microsoft.com/office/drawing/2014/main" id="{6D1172DC-B1B6-FA2F-B0D3-3C2CCB93E464}"/>
+                <a16:creationId xmlns:a16="http://schemas.microsoft.com/office/drawing/2014/main" id="{56963AB7-6D42-F716-2E87-AA659159DD4D}"/>
               </a:ext>
             </a:extLst>
           </p:cNvPr>
@@ -2801,7 +2801,7 @@
           <p:cNvPr id="3" name="文本占位符 2">
             <a:extLst>
               <a:ext uri="{FF2B5EF4-FFF2-40B4-BE49-F238E27FC236}">
-                <a16:creationId xmlns:a16="http://schemas.microsoft.com/office/drawing/2014/main" id="{9C33DD4F-9F28-A2A4-E297-9011072C15A7}"/>
+                <a16:creationId xmlns:a16="http://schemas.microsoft.com/office/drawing/2014/main" id="{2E60F742-7C9D-2C94-09F5-777A849A0C14}"/>
               </a:ext>
             </a:extLst>
           </p:cNvPr>
@@ -2868,7 +2868,7 @@
           <p:cNvPr id="4" name="日期占位符 3">
             <a:extLst>
               <a:ext uri="{FF2B5EF4-FFF2-40B4-BE49-F238E27FC236}">
-                <a16:creationId xmlns:a16="http://schemas.microsoft.com/office/drawing/2014/main" id="{B6A29DE3-9CCD-D630-688C-0E3AA01D5295}"/>
+                <a16:creationId xmlns:a16="http://schemas.microsoft.com/office/drawing/2014/main" id="{C0CD07D9-E243-7159-C4E0-A57D43261C78}"/>
               </a:ext>
             </a:extLst>
           </p:cNvPr>
@@ -2902,7 +2902,7 @@
             </a:lvl1pPr>
           </a:lstStyle>
           <a:p>
-            <a:fld id="{CB423498-F353-439C-9EBB-80076D51EEE1}" type="datetimeFigureOut">
+            <a:fld id="{A6EDD32A-19E3-4365-8F40-7019D0397459}" type="datetimeFigureOut">
               <a:rPr lang="zh-CN" altLang="en-US" smtClean="0"/>
               <a:t>2024/3/10</a:t>
             </a:fld>
@@ -2915,7 +2915,7 @@
           <p:cNvPr id="5" name="页脚占位符 4">
             <a:extLst>
               <a:ext uri="{FF2B5EF4-FFF2-40B4-BE49-F238E27FC236}">
-                <a16:creationId xmlns:a16="http://schemas.microsoft.com/office/drawing/2014/main" id="{EE22DF18-4E19-1508-29B3-02423E472CEE}"/>
+                <a16:creationId xmlns:a16="http://schemas.microsoft.com/office/drawing/2014/main" id="{18C68D1B-6448-2134-3097-D28C0E3926ED}"/>
               </a:ext>
             </a:extLst>
           </p:cNvPr>
@@ -2958,7 +2958,7 @@
           <p:cNvPr id="6" name="灯片编号占位符 5">
             <a:extLst>
               <a:ext uri="{FF2B5EF4-FFF2-40B4-BE49-F238E27FC236}">
-                <a16:creationId xmlns:a16="http://schemas.microsoft.com/office/drawing/2014/main" id="{1F3736A0-BD95-FA48-9749-7FA9ED3E89B8}"/>
+                <a16:creationId xmlns:a16="http://schemas.microsoft.com/office/drawing/2014/main" id="{60207F02-F06E-CFFE-832D-580C2BF529AE}"/>
               </a:ext>
             </a:extLst>
           </p:cNvPr>
@@ -2992,7 +2992,7 @@
             </a:lvl1pPr>
           </a:lstStyle>
           <a:p>
-            <a:fld id="{4F09BDAB-ED07-4199-9C68-EE6BFD619AF3}" type="slidenum">
+            <a:fld id="{993C7B58-D00E-4918-8C40-957AE37B0CAD}" type="slidenum">
               <a:rPr lang="zh-CN" altLang="en-US" smtClean="0"/>
               <a:t>‹#›</a:t>
             </a:fld>
@@ -3003,7 +3003,7 @@
     </p:spTree>
     <p:extLst>
       <p:ext uri="{BB962C8B-B14F-4D97-AF65-F5344CB8AC3E}">
-        <p14:creationId xmlns:p14="http://schemas.microsoft.com/office/powerpoint/2010/main" val="2360790400"/>
+        <p14:creationId xmlns:p14="http://schemas.microsoft.com/office/powerpoint/2010/main" val="1337619870"/>
       </p:ext>
     </p:extLst>
   </p:cSld>
@@ -3323,7 +3323,7 @@
       </p:grpSpPr>
       <p:pic>
         <p:nvPicPr>
-          <p:cNvPr id="795650" name="Picture 2" descr="776"/>
+          <p:cNvPr id="796674" name="Picture 2" descr="777"/>
           <p:cNvPicPr>
             <a:picLocks noChangeAspect="1" noChangeArrowheads="1"/>
           </p:cNvPicPr>
@@ -3375,11 +3375,158 @@
           </a:extLst>
         </p:spPr>
       </p:pic>
+      <p:pic>
+        <p:nvPicPr>
+          <p:cNvPr id="797699" name="Picture 3" descr="777-2"/>
+          <p:cNvPicPr>
+            <a:picLocks noChangeAspect="1" noChangeArrowheads="1"/>
+          </p:cNvPicPr>
+          <p:nvPr/>
+        </p:nvPicPr>
+        <p:blipFill>
+          <a:blip r:embed="rId3">
+            <a:extLst>
+              <a:ext uri="{28A0092B-C50C-407E-A947-70E740481C1C}">
+                <a14:useLocalDpi xmlns:a14="http://schemas.microsoft.com/office/drawing/2010/main" val="0"/>
+              </a:ext>
+            </a:extLst>
+          </a:blip>
+          <a:srcRect/>
+          <a:stretch>
+            <a:fillRect/>
+          </a:stretch>
+        </p:blipFill>
+        <p:spPr bwMode="auto">
+          <a:xfrm>
+            <a:off x="1560513" y="0"/>
+            <a:ext cx="9144000" cy="6858000"/>
+          </a:xfrm>
+          <a:prstGeom prst="rect">
+            <a:avLst/>
+          </a:prstGeom>
+          <a:noFill/>
+          <a:ln>
+            <a:noFill/>
+          </a:ln>
+          <a:effectLst/>
+          <a:extLst>
+            <a:ext uri="{909E8E84-426E-40DD-AFC4-6F175D3DCCD1}">
+              <a14:hiddenFill xmlns:a14="http://schemas.microsoft.com/office/drawing/2010/main">
+                <a:solidFill>
+                  <a:srgbClr val="FFFFFF"/>
+                </a:solidFill>
+              </a14:hiddenFill>
+            </a:ext>
+            <a:ext uri="{91240B29-F687-4F45-9708-019B960494DF}">
+              <a14:hiddenLine xmlns:a14="http://schemas.microsoft.com/office/drawing/2010/main" w="9525">
+                <a:solidFill>
+                  <a:srgbClr val="000000"/>
+                </a:solidFill>
+                <a:miter lim="800000"/>
+                <a:headEnd/>
+                <a:tailEnd/>
+              </a14:hiddenLine>
+            </a:ext>
+            <a:ext uri="{AF507438-7753-43E0-B8FC-AC1667EBCBE1}">
+              <a14:hiddenEffects xmlns:a14="http://schemas.microsoft.com/office/drawing/2010/main">
+                <a:effectLst>
+                  <a:outerShdw dist="35921" dir="2700000" algn="ctr" rotWithShape="0">
+                    <a:srgbClr val="808080"/>
+                  </a:outerShdw>
+                </a:effectLst>
+              </a14:hiddenEffects>
+            </a:ext>
+          </a:extLst>
+        </p:spPr>
+      </p:pic>
     </p:spTree>
   </p:cSld>
   <p:clrMapOvr>
     <a:masterClrMapping/>
   </p:clrMapOvr>
+  <p:timing>
+    <p:tnLst>
+      <p:par>
+        <p:cTn id="1" dur="indefinite" restart="never" nodeType="tmRoot">
+          <p:childTnLst>
+            <p:seq concurrent="1" nextAc="seek">
+              <p:cTn id="2" dur="indefinite" nodeType="mainSeq">
+                <p:childTnLst>
+                  <p:par>
+                    <p:cTn id="3" fill="hold" nodeType="clickPar">
+                      <p:stCondLst>
+                        <p:cond delay="indefinite"/>
+                      </p:stCondLst>
+                      <p:childTnLst>
+                        <p:par>
+                          <p:cTn id="4" fill="hold" nodeType="withGroup">
+                            <p:stCondLst>
+                              <p:cond delay="0"/>
+                            </p:stCondLst>
+                            <p:childTnLst>
+                              <p:par>
+                                <p:cTn id="5" presetID="10" presetClass="entr" presetSubtype="0" fill="hold" nodeType="clickEffect">
+                                  <p:stCondLst>
+                                    <p:cond delay="0"/>
+                                  </p:stCondLst>
+                                  <p:childTnLst>
+                                    <p:set>
+                                      <p:cBhvr>
+                                        <p:cTn id="6" dur="1" fill="hold">
+                                          <p:stCondLst>
+                                            <p:cond delay="0"/>
+                                          </p:stCondLst>
+                                        </p:cTn>
+                                        <p:tgtEl>
+                                          <p:spTgt spid="797699"/>
+                                        </p:tgtEl>
+                                        <p:attrNameLst>
+                                          <p:attrName>style.visibility</p:attrName>
+                                        </p:attrNameLst>
+                                      </p:cBhvr>
+                                      <p:to>
+                                        <p:strVal val="visible"/>
+                                      </p:to>
+                                    </p:set>
+                                    <p:animEffect transition="in" filter="fade">
+                                      <p:cBhvr>
+                                        <p:cTn id="7" dur="500"/>
+                                        <p:tgtEl>
+                                          <p:spTgt spid="797699"/>
+                                        </p:tgtEl>
+                                      </p:cBhvr>
+                                    </p:animEffect>
+                                  </p:childTnLst>
+                                </p:cTn>
+                              </p:par>
+                            </p:childTnLst>
+                          </p:cTn>
+                        </p:par>
+                      </p:childTnLst>
+                    </p:cTn>
+                  </p:par>
+                </p:childTnLst>
+              </p:cTn>
+              <p:prevCondLst>
+                <p:cond evt="onPrev" delay="0">
+                  <p:tgtEl>
+                    <p:sldTgt/>
+                  </p:tgtEl>
+                </p:cond>
+              </p:prevCondLst>
+              <p:nextCondLst>
+                <p:cond evt="onNext" delay="0">
+                  <p:tgtEl>
+                    <p:sldTgt/>
+                  </p:tgtEl>
+                </p:cond>
+              </p:nextCondLst>
+            </p:seq>
+          </p:childTnLst>
+        </p:cTn>
+      </p:par>
+    </p:tnLst>
+  </p:timing>
 </p:sld>
 </file>
 
